--- a/_SLIDES/2020_DEEL1/H8-Arrays/6_arrays.pptx
+++ b/_SLIDES/2020_DEEL1/H8-Arrays/6_arrays.pptx
@@ -9515,7 +9515,7 @@
           <a:p>
             <a:fld id="{AAB1E9D1-C262-4CF5-AED2-7DBFF7C74527}" type="datetimeFigureOut">
               <a:rPr lang="nl-BE" smtClean="0"/>
-              <a:t>21/09/2020</a:t>
+              <a:t>9/10/2020</a:t>
             </a:fld>
             <a:endParaRPr lang="nl-BE"/>
           </a:p>
@@ -11980,7 +11980,7 @@
           <a:p>
             <a:fld id="{063E5419-232B-4AB4-A633-1C1B1EA8CE36}" type="datetime1">
               <a:rPr lang="nl-BE" smtClean="0"/>
-              <a:t>21/09/2020</a:t>
+              <a:t>9/10/2020</a:t>
             </a:fld>
             <a:endParaRPr lang="nl-BE"/>
           </a:p>
@@ -12276,7 +12276,7 @@
           <a:p>
             <a:fld id="{0D569C85-CF75-44A7-BBB4-AAE87B9C974F}" type="datetime1">
               <a:rPr lang="nl-BE" smtClean="0"/>
-              <a:t>21/09/2020</a:t>
+              <a:t>9/10/2020</a:t>
             </a:fld>
             <a:endParaRPr lang="nl-BE"/>
           </a:p>
@@ -12489,7 +12489,7 @@
           <a:p>
             <a:fld id="{1280D5CF-2FDD-492E-B2CB-1432CFC98C82}" type="datetime1">
               <a:rPr lang="nl-BE" smtClean="0"/>
-              <a:t>21/09/2020</a:t>
+              <a:t>9/10/2020</a:t>
             </a:fld>
             <a:endParaRPr lang="nl-BE"/>
           </a:p>
@@ -12722,7 +12722,7 @@
           <a:p>
             <a:fld id="{A2228F50-65BA-44E6-B519-5402BA7C5D08}" type="datetime1">
               <a:rPr lang="nl-BE" smtClean="0"/>
-              <a:t>21/09/2020</a:t>
+              <a:t>9/10/2020</a:t>
             </a:fld>
             <a:endParaRPr lang="nl-BE"/>
           </a:p>
@@ -13001,7 +13001,7 @@
           <a:p>
             <a:fld id="{D26C4C0B-8F49-49B8-910C-CB869637FB3B}" type="datetime1">
               <a:rPr lang="nl-BE" smtClean="0"/>
-              <a:t>21/09/2020</a:t>
+              <a:t>9/10/2020</a:t>
             </a:fld>
             <a:endParaRPr lang="nl-BE"/>
           </a:p>
@@ -13272,7 +13272,7 @@
           <a:p>
             <a:fld id="{0F0F287F-0A4C-4C13-B678-173B18BC44F3}" type="datetime1">
               <a:rPr lang="nl-BE" smtClean="0"/>
-              <a:t>21/09/2020</a:t>
+              <a:t>9/10/2020</a:t>
             </a:fld>
             <a:endParaRPr lang="nl-BE"/>
           </a:p>
@@ -13690,7 +13690,7 @@
           <a:p>
             <a:fld id="{E9B10497-805E-4A63-A89E-4F994A2DBCBB}" type="datetime1">
               <a:rPr lang="nl-BE" smtClean="0"/>
-              <a:t>21/09/2020</a:t>
+              <a:t>9/10/2020</a:t>
             </a:fld>
             <a:endParaRPr lang="nl-BE"/>
           </a:p>
@@ -13835,7 +13835,7 @@
           <a:p>
             <a:fld id="{5B3E50CA-632E-44A7-A667-4481C5D209B6}" type="datetime1">
               <a:rPr lang="nl-BE" smtClean="0"/>
-              <a:t>21/09/2020</a:t>
+              <a:t>9/10/2020</a:t>
             </a:fld>
             <a:endParaRPr lang="nl-BE"/>
           </a:p>
@@ -13951,7 +13951,7 @@
           <a:p>
             <a:fld id="{E8BB3AE7-AD03-4F75-B3DA-C167599234F1}" type="datetime1">
               <a:rPr lang="nl-BE" smtClean="0"/>
-              <a:t>21/09/2020</a:t>
+              <a:t>9/10/2020</a:t>
             </a:fld>
             <a:endParaRPr lang="nl-BE"/>
           </a:p>
@@ -14267,7 +14267,7 @@
           <a:p>
             <a:fld id="{DB4B8475-17ED-4BC3-A071-2ED81104853C}" type="datetime1">
               <a:rPr lang="nl-BE" smtClean="0"/>
-              <a:t>21/09/2020</a:t>
+              <a:t>9/10/2020</a:t>
             </a:fld>
             <a:endParaRPr lang="nl-BE"/>
           </a:p>
@@ -14563,7 +14563,7 @@
           <a:p>
             <a:fld id="{E9C72993-DE5A-480C-B2CC-00F568EC779C}" type="datetime1">
               <a:rPr lang="nl-BE" smtClean="0"/>
-              <a:t>21/09/2020</a:t>
+              <a:t>9/10/2020</a:t>
             </a:fld>
             <a:endParaRPr lang="nl-BE"/>
           </a:p>
@@ -14809,7 +14809,7 @@
           <a:p>
             <a:fld id="{030CE4DC-3D3D-4F9B-907D-8EF520E33D0B}" type="datetime1">
               <a:rPr lang="nl-BE" smtClean="0"/>
-              <a:t>21/09/2020</a:t>
+              <a:t>9/10/2020</a:t>
             </a:fld>
             <a:endParaRPr lang="nl-BE"/>
           </a:p>

--- a/_SLIDES/2020_DEEL1/H8-Arrays/6_arrays.pptx
+++ b/_SLIDES/2020_DEEL1/H8-Arrays/6_arrays.pptx
@@ -5,7 +5,7 @@
     <p:sldMasterId id="2147483660" r:id="rId1"/>
   </p:sldMasterIdLst>
   <p:notesMasterIdLst>
-    <p:notesMasterId r:id="rId49"/>
+    <p:notesMasterId r:id="rId50"/>
   </p:notesMasterIdLst>
   <p:sldIdLst>
     <p:sldId id="1964" r:id="rId2"/>
@@ -55,45 +55,46 @@
     <p:sldId id="1970" r:id="rId46"/>
     <p:sldId id="1972" r:id="rId47"/>
     <p:sldId id="1971" r:id="rId48"/>
+    <p:sldId id="1979" r:id="rId49"/>
   </p:sldIdLst>
   <p:sldSz cx="12192000" cy="6858000"/>
   <p:notesSz cx="6858000" cy="9144000"/>
   <p:embeddedFontLst>
     <p:embeddedFont>
       <p:font typeface="Archivo Narrow" panose="020B0506020202020B04" pitchFamily="34" charset="0"/>
-      <p:regular r:id="rId50"/>
-      <p:bold r:id="rId51"/>
-      <p:italic r:id="rId52"/>
+      <p:regular r:id="rId51"/>
+      <p:bold r:id="rId52"/>
+      <p:italic r:id="rId53"/>
     </p:embeddedFont>
     <p:embeddedFont>
       <p:font typeface="Blogger Sans" panose="02000506030000020004" pitchFamily="50" charset="0"/>
-      <p:regular r:id="rId53"/>
-      <p:bold r:id="rId54"/>
+      <p:regular r:id="rId54"/>
+      <p:bold r:id="rId55"/>
     </p:embeddedFont>
     <p:embeddedFont>
       <p:font typeface="Calibri" panose="020F0502020204030204" pitchFamily="34" charset="0"/>
-      <p:regular r:id="rId55"/>
-      <p:bold r:id="rId56"/>
-      <p:italic r:id="rId57"/>
-      <p:boldItalic r:id="rId58"/>
+      <p:regular r:id="rId56"/>
+      <p:bold r:id="rId57"/>
+      <p:italic r:id="rId58"/>
+      <p:boldItalic r:id="rId59"/>
     </p:embeddedFont>
     <p:embeddedFont>
       <p:font typeface="Consolas" panose="020B0609020204030204" pitchFamily="49" charset="0"/>
-      <p:regular r:id="rId59"/>
-      <p:bold r:id="rId60"/>
-      <p:italic r:id="rId61"/>
-      <p:boldItalic r:id="rId62"/>
+      <p:regular r:id="rId60"/>
+      <p:bold r:id="rId61"/>
+      <p:italic r:id="rId62"/>
+      <p:boldItalic r:id="rId63"/>
     </p:embeddedFont>
     <p:embeddedFont>
       <p:font typeface="Cooper Black" panose="0208090404030B020404" pitchFamily="18" charset="0"/>
-      <p:regular r:id="rId63"/>
+      <p:regular r:id="rId64"/>
     </p:embeddedFont>
     <p:embeddedFont>
       <p:font typeface="Times" panose="02020603050405020304" pitchFamily="18" charset="0"/>
-      <p:regular r:id="rId64"/>
-      <p:bold r:id="rId65"/>
-      <p:italic r:id="rId66"/>
-      <p:boldItalic r:id="rId67"/>
+      <p:regular r:id="rId65"/>
+      <p:bold r:id="rId66"/>
+      <p:italic r:id="rId67"/>
+      <p:boldItalic r:id="rId68"/>
     </p:embeddedFont>
   </p:embeddedFontLst>
   <p:defaultTextStyle>
@@ -9515,7 +9516,7 @@
           <a:p>
             <a:fld id="{AAB1E9D1-C262-4CF5-AED2-7DBFF7C74527}" type="datetimeFigureOut">
               <a:rPr lang="nl-BE" smtClean="0"/>
-              <a:t>9/10/2020</a:t>
+              <a:t>14/10/2020</a:t>
             </a:fld>
             <a:endParaRPr lang="nl-BE"/>
           </a:p>
@@ -11980,7 +11981,7 @@
           <a:p>
             <a:fld id="{063E5419-232B-4AB4-A633-1C1B1EA8CE36}" type="datetime1">
               <a:rPr lang="nl-BE" smtClean="0"/>
-              <a:t>9/10/2020</a:t>
+              <a:t>14/10/2020</a:t>
             </a:fld>
             <a:endParaRPr lang="nl-BE"/>
           </a:p>
@@ -12276,7 +12277,7 @@
           <a:p>
             <a:fld id="{0D569C85-CF75-44A7-BBB4-AAE87B9C974F}" type="datetime1">
               <a:rPr lang="nl-BE" smtClean="0"/>
-              <a:t>9/10/2020</a:t>
+              <a:t>14/10/2020</a:t>
             </a:fld>
             <a:endParaRPr lang="nl-BE"/>
           </a:p>
@@ -12489,7 +12490,7 @@
           <a:p>
             <a:fld id="{1280D5CF-2FDD-492E-B2CB-1432CFC98C82}" type="datetime1">
               <a:rPr lang="nl-BE" smtClean="0"/>
-              <a:t>9/10/2020</a:t>
+              <a:t>14/10/2020</a:t>
             </a:fld>
             <a:endParaRPr lang="nl-BE"/>
           </a:p>
@@ -12722,7 +12723,7 @@
           <a:p>
             <a:fld id="{A2228F50-65BA-44E6-B519-5402BA7C5D08}" type="datetime1">
               <a:rPr lang="nl-BE" smtClean="0"/>
-              <a:t>9/10/2020</a:t>
+              <a:t>14/10/2020</a:t>
             </a:fld>
             <a:endParaRPr lang="nl-BE"/>
           </a:p>
@@ -13001,7 +13002,7 @@
           <a:p>
             <a:fld id="{D26C4C0B-8F49-49B8-910C-CB869637FB3B}" type="datetime1">
               <a:rPr lang="nl-BE" smtClean="0"/>
-              <a:t>9/10/2020</a:t>
+              <a:t>14/10/2020</a:t>
             </a:fld>
             <a:endParaRPr lang="nl-BE"/>
           </a:p>
@@ -13272,7 +13273,7 @@
           <a:p>
             <a:fld id="{0F0F287F-0A4C-4C13-B678-173B18BC44F3}" type="datetime1">
               <a:rPr lang="nl-BE" smtClean="0"/>
-              <a:t>9/10/2020</a:t>
+              <a:t>14/10/2020</a:t>
             </a:fld>
             <a:endParaRPr lang="nl-BE"/>
           </a:p>
@@ -13690,7 +13691,7 @@
           <a:p>
             <a:fld id="{E9B10497-805E-4A63-A89E-4F994A2DBCBB}" type="datetime1">
               <a:rPr lang="nl-BE" smtClean="0"/>
-              <a:t>9/10/2020</a:t>
+              <a:t>14/10/2020</a:t>
             </a:fld>
             <a:endParaRPr lang="nl-BE"/>
           </a:p>
@@ -13835,7 +13836,7 @@
           <a:p>
             <a:fld id="{5B3E50CA-632E-44A7-A667-4481C5D209B6}" type="datetime1">
               <a:rPr lang="nl-BE" smtClean="0"/>
-              <a:t>9/10/2020</a:t>
+              <a:t>14/10/2020</a:t>
             </a:fld>
             <a:endParaRPr lang="nl-BE"/>
           </a:p>
@@ -13951,7 +13952,7 @@
           <a:p>
             <a:fld id="{E8BB3AE7-AD03-4F75-B3DA-C167599234F1}" type="datetime1">
               <a:rPr lang="nl-BE" smtClean="0"/>
-              <a:t>9/10/2020</a:t>
+              <a:t>14/10/2020</a:t>
             </a:fld>
             <a:endParaRPr lang="nl-BE"/>
           </a:p>
@@ -14267,7 +14268,7 @@
           <a:p>
             <a:fld id="{DB4B8475-17ED-4BC3-A071-2ED81104853C}" type="datetime1">
               <a:rPr lang="nl-BE" smtClean="0"/>
-              <a:t>9/10/2020</a:t>
+              <a:t>14/10/2020</a:t>
             </a:fld>
             <a:endParaRPr lang="nl-BE"/>
           </a:p>
@@ -14563,7 +14564,7 @@
           <a:p>
             <a:fld id="{E9C72993-DE5A-480C-B2CC-00F568EC779C}" type="datetime1">
               <a:rPr lang="nl-BE" smtClean="0"/>
-              <a:t>9/10/2020</a:t>
+              <a:t>14/10/2020</a:t>
             </a:fld>
             <a:endParaRPr lang="nl-BE"/>
           </a:p>
@@ -14809,7 +14810,7 @@
           <a:p>
             <a:fld id="{030CE4DC-3D3D-4F9B-907D-8EF520E33D0B}" type="datetime1">
               <a:rPr lang="nl-BE" smtClean="0"/>
-              <a:t>9/10/2020</a:t>
+              <a:t>14/10/2020</a:t>
             </a:fld>
             <a:endParaRPr lang="nl-BE"/>
           </a:p>
@@ -32293,6 +32294,143 @@
 </p:sld>
 </file>
 
+<file path=ppt/slides/slide48.xml><?xml version="1.0" encoding="utf-8"?>
+<p:sld xmlns:a="http://schemas.openxmlformats.org/drawingml/2006/main" xmlns:r="http://schemas.openxmlformats.org/officeDocument/2006/relationships" xmlns:p="http://schemas.openxmlformats.org/presentationml/2006/main">
+  <p:cSld>
+    <p:spTree>
+      <p:nvGrpSpPr>
+        <p:cNvPr id="1" name=""/>
+        <p:cNvGrpSpPr/>
+        <p:nvPr/>
+      </p:nvGrpSpPr>
+      <p:grpSpPr>
+        <a:xfrm>
+          <a:off x="0" y="0"/>
+          <a:ext cx="0" cy="0"/>
+          <a:chOff x="0" y="0"/>
+          <a:chExt cx="0" cy="0"/>
+        </a:xfrm>
+      </p:grpSpPr>
+      <p:sp>
+        <p:nvSpPr>
+          <p:cNvPr id="2" name="Titel 1">
+            <a:extLst>
+              <a:ext uri="{FF2B5EF4-FFF2-40B4-BE49-F238E27FC236}">
+                <a16:creationId xmlns:a16="http://schemas.microsoft.com/office/drawing/2014/main" id="{C629AAB4-3F4A-477C-A928-8007AA42E3FC}"/>
+              </a:ext>
+            </a:extLst>
+          </p:cNvPr>
+          <p:cNvSpPr>
+            <a:spLocks noGrp="1"/>
+          </p:cNvSpPr>
+          <p:nvPr>
+            <p:ph type="title"/>
+          </p:nvPr>
+        </p:nvSpPr>
+        <p:spPr/>
+        <p:txBody>
+          <a:bodyPr/>
+          <a:lstStyle/>
+          <a:p>
+            <a:endParaRPr lang="nl-BE"/>
+          </a:p>
+        </p:txBody>
+      </p:sp>
+      <p:sp>
+        <p:nvSpPr>
+          <p:cNvPr id="3" name="Tijdelijke aanduiding voor inhoud 2">
+            <a:extLst>
+              <a:ext uri="{FF2B5EF4-FFF2-40B4-BE49-F238E27FC236}">
+                <a16:creationId xmlns:a16="http://schemas.microsoft.com/office/drawing/2014/main" id="{A692B1B9-0446-4076-B27D-A43D18BC7FAE}"/>
+              </a:ext>
+            </a:extLst>
+          </p:cNvPr>
+          <p:cNvSpPr>
+            <a:spLocks noGrp="1"/>
+          </p:cNvSpPr>
+          <p:nvPr>
+            <p:ph idx="1"/>
+          </p:nvPr>
+        </p:nvSpPr>
+        <p:spPr/>
+        <p:txBody>
+          <a:bodyPr/>
+          <a:lstStyle/>
+          <a:p>
+            <a:endParaRPr lang="nl-BE"/>
+          </a:p>
+        </p:txBody>
+      </p:sp>
+      <p:sp>
+        <p:nvSpPr>
+          <p:cNvPr id="4" name="Tijdelijke aanduiding voor voettekst 3">
+            <a:extLst>
+              <a:ext uri="{FF2B5EF4-FFF2-40B4-BE49-F238E27FC236}">
+                <a16:creationId xmlns:a16="http://schemas.microsoft.com/office/drawing/2014/main" id="{9C7219E2-43BA-45B3-A742-46E4A2C01232}"/>
+              </a:ext>
+            </a:extLst>
+          </p:cNvPr>
+          <p:cNvSpPr>
+            <a:spLocks noGrp="1"/>
+          </p:cNvSpPr>
+          <p:nvPr>
+            <p:ph type="ftr" sz="quarter" idx="11"/>
+          </p:nvPr>
+        </p:nvSpPr>
+        <p:spPr/>
+        <p:txBody>
+          <a:bodyPr/>
+          <a:lstStyle/>
+          <a:p>
+            <a:r>
+              <a:rPr lang="nl-BE"/>
+              <a:t>Zie Scherp</a:t>
+            </a:r>
+          </a:p>
+        </p:txBody>
+      </p:sp>
+      <p:sp>
+        <p:nvSpPr>
+          <p:cNvPr id="5" name="Tijdelijke aanduiding voor dianummer 4">
+            <a:extLst>
+              <a:ext uri="{FF2B5EF4-FFF2-40B4-BE49-F238E27FC236}">
+                <a16:creationId xmlns:a16="http://schemas.microsoft.com/office/drawing/2014/main" id="{539106B3-15E0-477E-AB57-F35F4AA72F75}"/>
+              </a:ext>
+            </a:extLst>
+          </p:cNvPr>
+          <p:cNvSpPr>
+            <a:spLocks noGrp="1"/>
+          </p:cNvSpPr>
+          <p:nvPr>
+            <p:ph type="sldNum" sz="quarter" idx="12"/>
+          </p:nvPr>
+        </p:nvSpPr>
+        <p:spPr/>
+        <p:txBody>
+          <a:bodyPr/>
+          <a:lstStyle/>
+          <a:p>
+            <a:fld id="{26F5612F-804E-460E-88BF-7B183C058243}" type="slidenum">
+              <a:rPr lang="nl-BE" smtClean="0"/>
+              <a:t>48</a:t>
+            </a:fld>
+            <a:endParaRPr lang="nl-BE"/>
+          </a:p>
+        </p:txBody>
+      </p:sp>
+    </p:spTree>
+    <p:extLst>
+      <p:ext uri="{BB962C8B-B14F-4D97-AF65-F5344CB8AC3E}">
+        <p14:creationId xmlns:p14="http://schemas.microsoft.com/office/powerpoint/2010/main" val="2447750720"/>
+      </p:ext>
+    </p:extLst>
+  </p:cSld>
+  <p:clrMapOvr>
+    <a:masterClrMapping/>
+  </p:clrMapOvr>
+</p:sld>
+</file>
+
 <file path=ppt/slides/slide5.xml><?xml version="1.0" encoding="utf-8"?>
 <p:sld xmlns:a="http://schemas.openxmlformats.org/drawingml/2006/main" xmlns:r="http://schemas.openxmlformats.org/officeDocument/2006/relationships" xmlns:p="http://schemas.openxmlformats.org/presentationml/2006/main">
   <p:cSld>
